--- a/eece3220/sp19/lectures/eece.3220sp19_lec7_algcomp.pptx
+++ b/eece3220/sp19/lectures/eece.3220sp19_lec7_algcomp.pptx
@@ -195,7 +195,7 @@
 <file path=ppt/revisionInfo.xml><?xml version="1.0" encoding="utf-8"?>
 <p1510:revInfo xmlns:a="http://schemas.openxmlformats.org/drawingml/2006/main" xmlns:r="http://schemas.openxmlformats.org/officeDocument/2006/relationships" xmlns:p1510="http://schemas.microsoft.com/office/powerpoint/2015/10/main">
   <p1510:revLst>
-    <p1510:client id="{A995C31D-260B-4C4B-943B-3A94B27654D4}" v="7" dt="2019-02-06T16:51:26.730"/>
+    <p1510:client id="{A995C31D-260B-4C4B-943B-3A94B27654D4}" v="17" dt="2019-02-08T15:40:22.282"/>
   </p1510:revLst>
 </p1510:revInfo>
 </file>
@@ -205,7 +205,7 @@
   <pc:docChgLst>
     <pc:chgData name="Geiger, Michael J" userId="13cae92b-b37c-450b-a449-82fcae19569d" providerId="ADAL" clId="{A995C31D-260B-4C4B-943B-3A94B27654D4}"/>
     <pc:docChg chg="undo custSel addSld delSld modSld">
-      <pc:chgData name="Geiger, Michael J" userId="13cae92b-b37c-450b-a449-82fcae19569d" providerId="ADAL" clId="{A995C31D-260B-4C4B-943B-3A94B27654D4}" dt="2019-02-06T16:51:30.275" v="73" actId="27636"/>
+      <pc:chgData name="Geiger, Michael J" userId="13cae92b-b37c-450b-a449-82fcae19569d" providerId="ADAL" clId="{A995C31D-260B-4C4B-943B-3A94B27654D4}" dt="2019-02-08T15:48:06.939" v="848" actId="20577"/>
       <pc:docMkLst>
         <pc:docMk/>
       </pc:docMkLst>
@@ -224,21 +224,14 @@
           </ac:spMkLst>
         </pc:spChg>
       </pc:sldChg>
-      <pc:sldChg chg="del">
-        <pc:chgData name="Geiger, Michael J" userId="13cae92b-b37c-450b-a449-82fcae19569d" providerId="ADAL" clId="{A995C31D-260B-4C4B-943B-3A94B27654D4}" dt="2019-02-06T16:47:21.390" v="5" actId="2696"/>
-        <pc:sldMkLst>
-          <pc:docMk/>
-          <pc:sldMk cId="0" sldId="257"/>
-        </pc:sldMkLst>
-      </pc:sldChg>
       <pc:sldChg chg="modSp">
-        <pc:chgData name="Geiger, Michael J" userId="13cae92b-b37c-450b-a449-82fcae19569d" providerId="ADAL" clId="{A995C31D-260B-4C4B-943B-3A94B27654D4}" dt="2019-02-06T16:51:30.275" v="73" actId="27636"/>
+        <pc:chgData name="Geiger, Michael J" userId="13cae92b-b37c-450b-a449-82fcae19569d" providerId="ADAL" clId="{A995C31D-260B-4C4B-943B-3A94B27654D4}" dt="2019-02-08T15:48:06.939" v="848" actId="20577"/>
         <pc:sldMkLst>
           <pc:docMk/>
           <pc:sldMk cId="0" sldId="385"/>
         </pc:sldMkLst>
         <pc:spChg chg="mod">
-          <ac:chgData name="Geiger, Michael J" userId="13cae92b-b37c-450b-a449-82fcae19569d" providerId="ADAL" clId="{A995C31D-260B-4C4B-943B-3A94B27654D4}" dt="2019-02-06T16:51:30.275" v="73" actId="27636"/>
+          <ac:chgData name="Geiger, Michael J" userId="13cae92b-b37c-450b-a449-82fcae19569d" providerId="ADAL" clId="{A995C31D-260B-4C4B-943B-3A94B27654D4}" dt="2019-02-08T15:48:06.939" v="848" actId="20577"/>
           <ac:spMkLst>
             <pc:docMk/>
             <pc:sldMk cId="0" sldId="385"/>
@@ -246,47 +239,20 @@
           </ac:spMkLst>
         </pc:spChg>
       </pc:sldChg>
-      <pc:sldChg chg="add">
-        <pc:chgData name="Geiger, Michael J" userId="13cae92b-b37c-450b-a449-82fcae19569d" providerId="ADAL" clId="{A995C31D-260B-4C4B-943B-3A94B27654D4}" dt="2019-02-06T16:48:08.687" v="39"/>
+      <pc:sldChg chg="modSp add">
+        <pc:chgData name="Geiger, Michael J" userId="13cae92b-b37c-450b-a449-82fcae19569d" providerId="ADAL" clId="{A995C31D-260B-4C4B-943B-3A94B27654D4}" dt="2019-02-06T20:04:10.017" v="74" actId="20577"/>
         <pc:sldMkLst>
           <pc:docMk/>
           <pc:sldMk cId="2033859097" sldId="394"/>
         </pc:sldMkLst>
-      </pc:sldChg>
-      <pc:sldChg chg="del">
-        <pc:chgData name="Geiger, Michael J" userId="13cae92b-b37c-450b-a449-82fcae19569d" providerId="ADAL" clId="{A995C31D-260B-4C4B-943B-3A94B27654D4}" dt="2019-02-06T16:48:11.651" v="41" actId="2696"/>
-        <pc:sldMkLst>
-          <pc:docMk/>
-          <pc:sldMk cId="3978252366" sldId="427"/>
-        </pc:sldMkLst>
-      </pc:sldChg>
-      <pc:sldChg chg="del">
-        <pc:chgData name="Geiger, Michael J" userId="13cae92b-b37c-450b-a449-82fcae19569d" providerId="ADAL" clId="{A995C31D-260B-4C4B-943B-3A94B27654D4}" dt="2019-02-06T16:48:12.273" v="42" actId="2696"/>
-        <pc:sldMkLst>
-          <pc:docMk/>
-          <pc:sldMk cId="2129968290" sldId="428"/>
-        </pc:sldMkLst>
-      </pc:sldChg>
-      <pc:sldChg chg="del">
-        <pc:chgData name="Geiger, Michael J" userId="13cae92b-b37c-450b-a449-82fcae19569d" providerId="ADAL" clId="{A995C31D-260B-4C4B-943B-3A94B27654D4}" dt="2019-02-06T16:48:12.867" v="43" actId="2696"/>
-        <pc:sldMkLst>
-          <pc:docMk/>
-          <pc:sldMk cId="1541832408" sldId="429"/>
-        </pc:sldMkLst>
-      </pc:sldChg>
-      <pc:sldChg chg="del">
-        <pc:chgData name="Geiger, Michael J" userId="13cae92b-b37c-450b-a449-82fcae19569d" providerId="ADAL" clId="{A995C31D-260B-4C4B-943B-3A94B27654D4}" dt="2019-02-06T16:48:13.459" v="44" actId="2696"/>
-        <pc:sldMkLst>
-          <pc:docMk/>
-          <pc:sldMk cId="374742581" sldId="430"/>
-        </pc:sldMkLst>
-      </pc:sldChg>
-      <pc:sldChg chg="del">
-        <pc:chgData name="Geiger, Michael J" userId="13cae92b-b37c-450b-a449-82fcae19569d" providerId="ADAL" clId="{A995C31D-260B-4C4B-943B-3A94B27654D4}" dt="2019-02-06T16:48:11.056" v="40" actId="2696"/>
-        <pc:sldMkLst>
-          <pc:docMk/>
-          <pc:sldMk cId="1414863762" sldId="432"/>
-        </pc:sldMkLst>
+        <pc:spChg chg="mod">
+          <ac:chgData name="Geiger, Michael J" userId="13cae92b-b37c-450b-a449-82fcae19569d" providerId="ADAL" clId="{A995C31D-260B-4C4B-943B-3A94B27654D4}" dt="2019-02-06T20:04:10.017" v="74" actId="20577"/>
+          <ac:spMkLst>
+            <pc:docMk/>
+            <pc:sldMk cId="2033859097" sldId="394"/>
+            <ac:spMk id="10243" creationId="{00000000-0000-0000-0000-000000000000}"/>
+          </ac:spMkLst>
+        </pc:spChg>
       </pc:sldChg>
       <pc:sldChg chg="add del">
         <pc:chgData name="Geiger, Michael J" userId="13cae92b-b37c-450b-a449-82fcae19569d" providerId="ADAL" clId="{A995C31D-260B-4C4B-943B-3A94B27654D4}" dt="2019-02-06T16:48:15.242" v="46" actId="2696"/>
@@ -296,7 +262,7 @@
         </pc:sldMkLst>
       </pc:sldChg>
       <pc:sldChg chg="modSp">
-        <pc:chgData name="Geiger, Michael J" userId="13cae92b-b37c-450b-a449-82fcae19569d" providerId="ADAL" clId="{A995C31D-260B-4C4B-943B-3A94B27654D4}" dt="2019-02-06T16:49:54.338" v="55" actId="27636"/>
+        <pc:chgData name="Geiger, Michael J" userId="13cae92b-b37c-450b-a449-82fcae19569d" providerId="ADAL" clId="{A995C31D-260B-4C4B-943B-3A94B27654D4}" dt="2019-02-06T20:17:08.878" v="75" actId="14100"/>
         <pc:sldMkLst>
           <pc:docMk/>
           <pc:sldMk cId="1740750203" sldId="450"/>
@@ -310,7 +276,7 @@
           </ac:spMkLst>
         </pc:spChg>
         <pc:spChg chg="mod">
-          <ac:chgData name="Geiger, Michael J" userId="13cae92b-b37c-450b-a449-82fcae19569d" providerId="ADAL" clId="{A995C31D-260B-4C4B-943B-3A94B27654D4}" dt="2019-02-06T16:49:54.338" v="55" actId="27636"/>
+          <ac:chgData name="Geiger, Michael J" userId="13cae92b-b37c-450b-a449-82fcae19569d" providerId="ADAL" clId="{A995C31D-260B-4C4B-943B-3A94B27654D4}" dt="2019-02-06T20:17:08.878" v="75" actId="14100"/>
           <ac:spMkLst>
             <pc:docMk/>
             <pc:sldMk cId="1740750203" sldId="450"/>
@@ -327,17 +293,48 @@
         </pc:spChg>
       </pc:sldChg>
       <pc:sldChg chg="modSp">
-        <pc:chgData name="Geiger, Michael J" userId="13cae92b-b37c-450b-a449-82fcae19569d" providerId="ADAL" clId="{A995C31D-260B-4C4B-943B-3A94B27654D4}" dt="2019-02-06T16:50:10.780" v="60" actId="207"/>
+        <pc:chgData name="Geiger, Michael J" userId="13cae92b-b37c-450b-a449-82fcae19569d" providerId="ADAL" clId="{A995C31D-260B-4C4B-943B-3A94B27654D4}" dt="2019-02-08T15:32:17.887" v="603" actId="20577"/>
         <pc:sldMkLst>
           <pc:docMk/>
           <pc:sldMk cId="3581895223" sldId="451"/>
         </pc:sldMkLst>
         <pc:spChg chg="mod">
-          <ac:chgData name="Geiger, Michael J" userId="13cae92b-b37c-450b-a449-82fcae19569d" providerId="ADAL" clId="{A995C31D-260B-4C4B-943B-3A94B27654D4}" dt="2019-02-06T16:50:10.780" v="60" actId="207"/>
+          <ac:chgData name="Geiger, Michael J" userId="13cae92b-b37c-450b-a449-82fcae19569d" providerId="ADAL" clId="{A995C31D-260B-4C4B-943B-3A94B27654D4}" dt="2019-02-08T15:32:17.887" v="603" actId="20577"/>
           <ac:spMkLst>
             <pc:docMk/>
             <pc:sldMk cId="3581895223" sldId="451"/>
             <ac:spMk id="8" creationId="{00000000-0000-0000-0000-000000000000}"/>
+          </ac:spMkLst>
+        </pc:spChg>
+        <pc:spChg chg="mod">
+          <ac:chgData name="Geiger, Michael J" userId="13cae92b-b37c-450b-a449-82fcae19569d" providerId="ADAL" clId="{A995C31D-260B-4C4B-943B-3A94B27654D4}" dt="2019-02-08T15:23:00.035" v="255" actId="20577"/>
+          <ac:spMkLst>
+            <pc:docMk/>
+            <pc:sldMk cId="3581895223" sldId="451"/>
+            <ac:spMk id="9" creationId="{00000000-0000-0000-0000-000000000000}"/>
+          </ac:spMkLst>
+        </pc:spChg>
+      </pc:sldChg>
+      <pc:sldChg chg="modSp">
+        <pc:chgData name="Geiger, Michael J" userId="13cae92b-b37c-450b-a449-82fcae19569d" providerId="ADAL" clId="{A995C31D-260B-4C4B-943B-3A94B27654D4}" dt="2019-02-08T15:43:45.125" v="835" actId="20577"/>
+        <pc:sldMkLst>
+          <pc:docMk/>
+          <pc:sldMk cId="2707487189" sldId="452"/>
+        </pc:sldMkLst>
+        <pc:spChg chg="mod">
+          <ac:chgData name="Geiger, Michael J" userId="13cae92b-b37c-450b-a449-82fcae19569d" providerId="ADAL" clId="{A995C31D-260B-4C4B-943B-3A94B27654D4}" dt="2019-02-08T15:42:50.061" v="827" actId="20577"/>
+          <ac:spMkLst>
+            <pc:docMk/>
+            <pc:sldMk cId="2707487189" sldId="452"/>
+            <ac:spMk id="8" creationId="{00000000-0000-0000-0000-000000000000}"/>
+          </ac:spMkLst>
+        </pc:spChg>
+        <pc:spChg chg="mod">
+          <ac:chgData name="Geiger, Michael J" userId="13cae92b-b37c-450b-a449-82fcae19569d" providerId="ADAL" clId="{A995C31D-260B-4C4B-943B-3A94B27654D4}" dt="2019-02-08T15:43:45.125" v="835" actId="20577"/>
+          <ac:spMkLst>
+            <pc:docMk/>
+            <pc:sldMk cId="2707487189" sldId="452"/>
+            <ac:spMk id="9" creationId="{00000000-0000-0000-0000-000000000000}"/>
           </ac:spMkLst>
         </pc:spChg>
       </pc:sldChg>
@@ -1646,7 +1643,7 @@
           <a:p>
             <a:fld id="{DE88FFDF-13AF-43D0-8748-7FCD3DE028F2}" type="datetime1">
               <a:rPr lang="en-US" smtClean="0"/>
-              <a:t>2/6/2019</a:t>
+              <a:t>2/8/2019</a:t>
             </a:fld>
             <a:endParaRPr lang="en-US"/>
           </a:p>
@@ -1840,7 +1837,7 @@
           <a:p>
             <a:fld id="{ADC05DCC-31E4-4611-BCE2-335F0B87E5FB}" type="datetime1">
               <a:rPr lang="en-US" smtClean="0"/>
-              <a:t>2/6/2019</a:t>
+              <a:t>2/8/2019</a:t>
             </a:fld>
             <a:endParaRPr lang="en-US"/>
           </a:p>
@@ -2043,7 +2040,7 @@
           <a:p>
             <a:fld id="{8CA09DB2-A3A4-4B0B-9249-E3DDA47AE964}" type="datetime1">
               <a:rPr lang="en-US" smtClean="0"/>
-              <a:t>2/6/2019</a:t>
+              <a:t>2/8/2019</a:t>
             </a:fld>
             <a:endParaRPr lang="en-US"/>
           </a:p>
@@ -2302,7 +2299,7 @@
           <a:p>
             <a:fld id="{EB5B23DA-2F3D-4DCE-A7D5-FEEB77319482}" type="datetime1">
               <a:rPr lang="en-US" smtClean="0"/>
-              <a:t>2/6/2019</a:t>
+              <a:t>2/8/2019</a:t>
             </a:fld>
             <a:endParaRPr lang="en-US"/>
           </a:p>
@@ -2561,7 +2558,7 @@
           <a:p>
             <a:fld id="{EA7DA623-C9C9-4E21-8E52-C81A232A8C95}" type="datetime1">
               <a:rPr lang="en-US" smtClean="0"/>
-              <a:t>2/6/2019</a:t>
+              <a:t>2/8/2019</a:t>
             </a:fld>
             <a:endParaRPr lang="en-US"/>
           </a:p>
@@ -2754,7 +2751,7 @@
           <a:p>
             <a:fld id="{66FAEE9C-AC16-4234-B657-FA329F06C3B6}" type="datetime1">
               <a:rPr lang="en-US" smtClean="0"/>
-              <a:t>2/6/2019</a:t>
+              <a:t>2/8/2019</a:t>
             </a:fld>
             <a:endParaRPr lang="en-US"/>
           </a:p>
@@ -2970,7 +2967,7 @@
           <a:p>
             <a:fld id="{9262D1C5-E7BC-4833-AC0E-C4378D8E4E48}" type="datetime1">
               <a:rPr lang="en-US" smtClean="0"/>
-              <a:t>2/6/2019</a:t>
+              <a:t>2/8/2019</a:t>
             </a:fld>
             <a:endParaRPr lang="en-US"/>
           </a:p>
@@ -3280,7 +3277,7 @@
           <a:p>
             <a:fld id="{55F5FA03-44A7-43D0-AC88-CB3FB416FE3E}" type="datetime1">
               <a:rPr lang="en-US" smtClean="0"/>
-              <a:t>2/6/2019</a:t>
+              <a:t>2/8/2019</a:t>
             </a:fld>
             <a:endParaRPr lang="en-US"/>
           </a:p>
@@ -3729,7 +3726,7 @@
           <a:p>
             <a:fld id="{AC88B5C4-D685-4975-AF15-6A2AEACED9AF}" type="datetime1">
               <a:rPr lang="en-US" smtClean="0"/>
-              <a:t>2/6/2019</a:t>
+              <a:t>2/8/2019</a:t>
             </a:fld>
             <a:endParaRPr lang="en-US"/>
           </a:p>
@@ -3871,7 +3868,7 @@
           <a:p>
             <a:fld id="{E9634088-729E-4BC9-98AF-CE1A6158C9FA}" type="datetime1">
               <a:rPr lang="en-US" smtClean="0"/>
-              <a:t>2/6/2019</a:t>
+              <a:t>2/8/2019</a:t>
             </a:fld>
             <a:endParaRPr lang="en-US"/>
           </a:p>
@@ -3991,7 +3988,7 @@
           <a:p>
             <a:fld id="{13028BBC-EB9E-4F56-B08D-AE3E22667EEC}" type="datetime1">
               <a:rPr lang="en-US" smtClean="0"/>
-              <a:t>2/6/2019</a:t>
+              <a:t>2/8/2019</a:t>
             </a:fld>
             <a:endParaRPr lang="en-US"/>
           </a:p>
@@ -4291,7 +4288,7 @@
           <a:p>
             <a:fld id="{85BC0366-FFA2-49A8-8D1A-C8FB2D97F251}" type="datetime1">
               <a:rPr lang="en-US" smtClean="0"/>
-              <a:t>2/6/2019</a:t>
+              <a:t>2/8/2019</a:t>
             </a:fld>
             <a:endParaRPr lang="en-US"/>
           </a:p>
@@ -4569,7 +4566,7 @@
           <a:p>
             <a:fld id="{8D620228-7A97-42DB-BA2C-DACDC46B01FF}" type="datetime1">
               <a:rPr lang="en-US" smtClean="0"/>
-              <a:t>2/6/2019</a:t>
+              <a:t>2/8/2019</a:t>
             </a:fld>
             <a:endParaRPr lang="en-US"/>
           </a:p>
@@ -4867,7 +4864,7 @@
           <a:p>
             <a:fld id="{4B40BFD3-9895-4CDC-8DDE-64EE7A6D931D}" type="datetime1">
               <a:rPr lang="en-US" smtClean="0"/>
-              <a:t>2/6/2019</a:t>
+              <a:t>2/8/2019</a:t>
             </a:fld>
             <a:endParaRPr lang="en-US"/>
           </a:p>
@@ -6194,8 +6191,8 @@
         </p:nvSpPr>
         <p:spPr>
           <a:xfrm>
-            <a:off x="4648200" y="1641477"/>
-            <a:ext cx="4038600" cy="4302124"/>
+            <a:off x="4495800" y="1641477"/>
+            <a:ext cx="4191000" cy="4302124"/>
           </a:xfrm>
         </p:spPr>
         <p:txBody>
@@ -6567,7 +6564,7 @@
           <a:p>
             <a:fld id="{44519F79-5C77-4F04-95ED-758E48906CE5}" type="datetime1">
               <a:rPr lang="en-US" smtClean="0"/>
-              <a:t>2/6/2019</a:t>
+              <a:t>2/8/2019</a:t>
             </a:fld>
             <a:endParaRPr lang="en-US"/>
           </a:p>
@@ -6939,12 +6936,12 @@
         <p:spPr>
           <a:xfrm>
             <a:off x="457200" y="1066800"/>
-            <a:ext cx="8229600" cy="3352800"/>
+            <a:ext cx="8229600" cy="3733800"/>
           </a:xfrm>
         </p:spPr>
         <p:txBody>
           <a:bodyPr>
-            <a:normAutofit fontScale="55000" lnSpcReduction="20000"/>
+            <a:normAutofit fontScale="47500" lnSpcReduction="20000"/>
           </a:bodyPr>
           <a:lstStyle/>
           <a:p>
@@ -7265,9 +7262,22 @@
                 <a:latin typeface="Courier New"/>
                 <a:cs typeface="Courier New"/>
               </a:rPr>
-              <a:t>n</a:t>
-            </a:r>
-            <a:endParaRPr lang="en-US" sz="3200" dirty="0">
+              <a:t>2n </a:t>
+            </a:r>
+            <a:r>
+              <a:rPr lang="en-US" sz="3200" b="1" i="1" dirty="0">
+                <a:solidFill>
+                  <a:srgbClr val="FF0000"/>
+                </a:solidFill>
+                <a:latin typeface="Courier New"/>
+                <a:cs typeface="Courier New"/>
+              </a:rPr>
+              <a:t>(see 5a-5c)</a:t>
+            </a:r>
+            <a:endParaRPr lang="en-US" sz="3200" b="1" dirty="0">
+              <a:solidFill>
+                <a:srgbClr val="FF0000"/>
+              </a:solidFill>
               <a:latin typeface="Courier New"/>
               <a:cs typeface="Courier New"/>
             </a:endParaRPr>
@@ -7286,7 +7296,7 @@
                 <a:latin typeface="Courier New"/>
                 <a:cs typeface="Courier New"/>
               </a:rPr>
-              <a:t>6			res *= </a:t>
+              <a:t> 5a		  Set </a:t>
             </a:r>
             <a:r>
               <a:rPr lang="en-US" sz="3200" dirty="0" err="1">
@@ -7300,7 +7310,7 @@
                 <a:latin typeface="Courier New"/>
                 <a:cs typeface="Courier New"/>
               </a:rPr>
-              <a:t>;			</a:t>
+              <a:t> = 2			  </a:t>
             </a:r>
             <a:r>
               <a:rPr lang="en-US" sz="3200" b="1" dirty="0">
@@ -7310,12 +7320,8 @@
                 <a:latin typeface="Courier New"/>
                 <a:cs typeface="Courier New"/>
               </a:rPr>
-              <a:t>n-1</a:t>
-            </a:r>
-            <a:endParaRPr lang="en-US" sz="3200" dirty="0">
-              <a:latin typeface="Courier New"/>
-              <a:cs typeface="Courier New"/>
-            </a:endParaRPr>
+              <a:t>1</a:t>
+            </a:r>
           </a:p>
           <a:p>
             <a:pPr marL="0" indent="0">
@@ -7331,6 +7337,167 @@
                 <a:latin typeface="Courier New"/>
                 <a:cs typeface="Courier New"/>
               </a:rPr>
+              <a:t> 5b		  Test </a:t>
+            </a:r>
+            <a:r>
+              <a:rPr lang="en-US" sz="3200" dirty="0" err="1">
+                <a:latin typeface="Courier New"/>
+                <a:cs typeface="Courier New"/>
+              </a:rPr>
+              <a:t>i</a:t>
+            </a:r>
+            <a:r>
+              <a:rPr lang="en-US" sz="3200" dirty="0">
+                <a:latin typeface="Courier New"/>
+                <a:cs typeface="Courier New"/>
+              </a:rPr>
+              <a:t> &lt;= n			  </a:t>
+            </a:r>
+            <a:r>
+              <a:rPr lang="en-US" sz="3200" b="1" dirty="0">
+                <a:solidFill>
+                  <a:srgbClr val="FF0000"/>
+                </a:solidFill>
+                <a:latin typeface="Courier New"/>
+                <a:cs typeface="Courier New"/>
+              </a:rPr>
+              <a:t>n   </a:t>
+            </a:r>
+            <a:r>
+              <a:rPr lang="en-US" sz="3200" b="1" i="1" dirty="0">
+                <a:solidFill>
+                  <a:srgbClr val="FF0000"/>
+                </a:solidFill>
+                <a:latin typeface="Courier New"/>
+                <a:cs typeface="Courier New"/>
+              </a:rPr>
+              <a:t>(# iterations + 1)</a:t>
+            </a:r>
+            <a:endParaRPr lang="en-US" sz="3200" b="1" dirty="0">
+              <a:solidFill>
+                <a:srgbClr val="FF0000"/>
+              </a:solidFill>
+              <a:latin typeface="Courier New"/>
+              <a:cs typeface="Courier New"/>
+            </a:endParaRPr>
+          </a:p>
+          <a:p>
+            <a:pPr marL="0" indent="0">
+              <a:buNone/>
+              <a:tabLst>
+                <a:tab pos="461963" algn="l"/>
+                <a:tab pos="923925" algn="l"/>
+                <a:tab pos="1423988" algn="l"/>
+              </a:tabLst>
+            </a:pPr>
+            <a:r>
+              <a:rPr lang="en-US" sz="3200" dirty="0">
+                <a:latin typeface="Courier New"/>
+                <a:cs typeface="Courier New"/>
+              </a:rPr>
+              <a:t> 5c		  </a:t>
+            </a:r>
+            <a:r>
+              <a:rPr lang="en-US" sz="3200" dirty="0" err="1">
+                <a:latin typeface="Courier New"/>
+                <a:cs typeface="Courier New"/>
+              </a:rPr>
+              <a:t>i</a:t>
+            </a:r>
+            <a:r>
+              <a:rPr lang="en-US" sz="3200" dirty="0">
+                <a:latin typeface="Courier New"/>
+                <a:cs typeface="Courier New"/>
+              </a:rPr>
+              <a:t>++				  </a:t>
+            </a:r>
+            <a:r>
+              <a:rPr lang="en-US" sz="3200" b="1" dirty="0">
+                <a:solidFill>
+                  <a:srgbClr val="FF0000"/>
+                </a:solidFill>
+                <a:latin typeface="Courier New"/>
+                <a:cs typeface="Courier New"/>
+              </a:rPr>
+              <a:t>n-1 </a:t>
+            </a:r>
+            <a:r>
+              <a:rPr lang="en-US" sz="3200" b="1" i="1" dirty="0">
+                <a:solidFill>
+                  <a:srgbClr val="FF0000"/>
+                </a:solidFill>
+                <a:latin typeface="Courier New"/>
+                <a:cs typeface="Courier New"/>
+              </a:rPr>
+              <a:t>(body runs n-1 times)</a:t>
+            </a:r>
+            <a:endParaRPr lang="en-US" sz="3200" b="1" dirty="0">
+              <a:solidFill>
+                <a:srgbClr val="FF0000"/>
+              </a:solidFill>
+              <a:latin typeface="Courier New"/>
+              <a:cs typeface="Courier New"/>
+            </a:endParaRPr>
+          </a:p>
+          <a:p>
+            <a:pPr marL="0" indent="0">
+              <a:buNone/>
+              <a:tabLst>
+                <a:tab pos="461963" algn="l"/>
+                <a:tab pos="923925" algn="l"/>
+                <a:tab pos="1423988" algn="l"/>
+              </a:tabLst>
+            </a:pPr>
+            <a:r>
+              <a:rPr lang="en-US" sz="3200" dirty="0">
+                <a:latin typeface="Courier New"/>
+                <a:cs typeface="Courier New"/>
+              </a:rPr>
+              <a:t>6			res *= </a:t>
+            </a:r>
+            <a:r>
+              <a:rPr lang="en-US" sz="3200" dirty="0" err="1">
+                <a:latin typeface="Courier New"/>
+                <a:cs typeface="Courier New"/>
+              </a:rPr>
+              <a:t>i</a:t>
+            </a:r>
+            <a:r>
+              <a:rPr lang="en-US" sz="3200" dirty="0">
+                <a:latin typeface="Courier New"/>
+                <a:cs typeface="Courier New"/>
+              </a:rPr>
+              <a:t>;			</a:t>
+            </a:r>
+            <a:r>
+              <a:rPr lang="en-US" sz="3200" b="1" dirty="0">
+                <a:solidFill>
+                  <a:srgbClr val="FF0000"/>
+                </a:solidFill>
+                <a:latin typeface="Courier New"/>
+                <a:cs typeface="Courier New"/>
+              </a:rPr>
+              <a:t>n-1</a:t>
+            </a:r>
+            <a:endParaRPr lang="en-US" sz="3200" dirty="0">
+              <a:latin typeface="Courier New"/>
+              <a:cs typeface="Courier New"/>
+            </a:endParaRPr>
+          </a:p>
+          <a:p>
+            <a:pPr marL="0" indent="0">
+              <a:buNone/>
+              <a:tabLst>
+                <a:tab pos="461963" algn="l"/>
+                <a:tab pos="923925" algn="l"/>
+                <a:tab pos="1423988" algn="l"/>
+              </a:tabLst>
+            </a:pPr>
+            <a:r>
+              <a:rPr lang="en-US" sz="3200" dirty="0">
+                <a:latin typeface="Courier New"/>
+                <a:cs typeface="Courier New"/>
+              </a:rPr>
               <a:t>7		</a:t>
             </a:r>
             <a:r>
@@ -7431,7 +7598,7 @@
           <a:p>
             <a:fld id="{443F631E-62D1-4881-841B-58C294CBBE20}" type="datetime1">
               <a:rPr lang="en-US" smtClean="0"/>
-              <a:t>2/6/2019</a:t>
+              <a:t>2/8/2019</a:t>
             </a:fld>
             <a:endParaRPr lang="en-US"/>
           </a:p>
@@ -7496,8 +7663,8 @@
         </p:nvSpPr>
         <p:spPr bwMode="auto">
           <a:xfrm>
-            <a:off x="609600" y="4419600"/>
-            <a:ext cx="8229600" cy="1752600"/>
+            <a:off x="609600" y="4800600"/>
+            <a:ext cx="8229600" cy="1371600"/>
           </a:xfrm>
           <a:prstGeom prst="rect">
             <a:avLst/>
@@ -7534,7 +7701,7 @@
             <a:prstTxWarp prst="textNoShape">
               <a:avLst/>
             </a:prstTxWarp>
-            <a:normAutofit fontScale="77500" lnSpcReduction="20000"/>
+            <a:normAutofit fontScale="55000" lnSpcReduction="20000"/>
           </a:bodyPr>
           <a:lstStyle>
             <a:lvl1pPr marL="342900" indent="-342900" algn="l" rtl="0" eaLnBrk="0" fontAlgn="base" hangingPunct="0">
@@ -7727,7 +7894,7 @@
           <a:p>
             <a:r>
               <a:rPr lang="en-US" dirty="0"/>
-              <a:t>Condition evaluated in both cases</a:t>
+              <a:t>If condition evaluated in both cases</a:t>
             </a:r>
           </a:p>
           <a:p>
@@ -7769,7 +7936,7 @@
                   <a:srgbClr val="FF0000"/>
                 </a:solidFill>
               </a:rPr>
-              <a:t>T(n) = 3 + n = O(n)   </a:t>
+              <a:t>T(n) = 3 + 3n = O(n)   </a:t>
             </a:r>
             <a:r>
               <a:rPr lang="en-US" b="1" dirty="0">
@@ -7861,12 +8028,12 @@
         <p:spPr>
           <a:xfrm>
             <a:off x="457200" y="1066800"/>
-            <a:ext cx="8458200" cy="2667000"/>
+            <a:ext cx="8458200" cy="3581400"/>
           </a:xfrm>
         </p:spPr>
         <p:txBody>
           <a:bodyPr>
-            <a:normAutofit fontScale="70000" lnSpcReduction="20000"/>
+            <a:normAutofit fontScale="47500" lnSpcReduction="20000"/>
           </a:bodyPr>
           <a:lstStyle/>
           <a:p>
@@ -7937,31 +8104,7 @@
                 <a:latin typeface="Courier New"/>
                 <a:cs typeface="Courier New"/>
               </a:rPr>
-              <a:t>		</a:t>
-            </a:r>
-            <a:r>
-              <a:rPr lang="nb-NO" sz="3200" dirty="0" err="1">
-                <a:latin typeface="Courier New"/>
-                <a:cs typeface="Courier New"/>
-              </a:rPr>
-              <a:t>unsigned</a:t>
-            </a:r>
-            <a:r>
-              <a:rPr lang="nb-NO" sz="3200" dirty="0">
-                <a:latin typeface="Courier New"/>
-                <a:cs typeface="Courier New"/>
-              </a:rPr>
-              <a:t> res = 0;		</a:t>
-            </a:r>
-            <a:r>
-              <a:rPr lang="nb-NO" sz="3200" dirty="0">
-                <a:solidFill>
-                  <a:srgbClr val="FF0000"/>
-                </a:solidFill>
-                <a:latin typeface="Courier New"/>
-                <a:cs typeface="Courier New"/>
-              </a:rPr>
-              <a:t>	</a:t>
+              <a:t>	unsigned res = 0;		</a:t>
             </a:r>
             <a:r>
               <a:rPr lang="nb-NO" sz="3200" b="1" dirty="0">
@@ -8007,7 +8150,7 @@
                 <a:latin typeface="Courier New"/>
                 <a:cs typeface="Courier New"/>
               </a:rPr>
-              <a:t> (i=0; i&lt;n+1; i++) 		</a:t>
+              <a:t> (i=0; i&lt;n+1; i++) 	</a:t>
             </a:r>
             <a:r>
               <a:rPr lang="nb-NO" sz="3200" b="1" dirty="0">
@@ -8017,7 +8160,17 @@
                 <a:latin typeface="Courier New"/>
                 <a:cs typeface="Courier New"/>
               </a:rPr>
-              <a:t>n+2</a:t>
+              <a:t>2n+4 </a:t>
+            </a:r>
+            <a:r>
+              <a:rPr lang="nb-NO" sz="3200" b="1" i="1" dirty="0">
+                <a:solidFill>
+                  <a:srgbClr val="FF0000"/>
+                </a:solidFill>
+                <a:latin typeface="Courier New"/>
+                <a:cs typeface="Courier New"/>
+              </a:rPr>
+              <a:t>(see 2a-2c)</a:t>
             </a:r>
             <a:endParaRPr lang="en-US" sz="3200" dirty="0">
               <a:latin typeface="Courier New"/>
@@ -8039,57 +8192,18 @@
                 <a:latin typeface="Courier New"/>
                 <a:cs typeface="Courier New"/>
               </a:rPr>
-              <a:t>3    </a:t>
+              <a:t> 2a	Set i = 0			  </a:t>
             </a:r>
             <a:r>
               <a:rPr lang="nb-NO" sz="3200" b="1" dirty="0">
-                <a:latin typeface="Courier New"/>
-                <a:cs typeface="Courier New"/>
-              </a:rPr>
-              <a:t>for</a:t>
-            </a:r>
-            <a:r>
-              <a:rPr lang="nb-NO" sz="3200" dirty="0">
-                <a:latin typeface="Courier New"/>
-                <a:cs typeface="Courier New"/>
-              </a:rPr>
-              <a:t> (j=0; j&lt;n+1; </a:t>
-            </a:r>
-            <a:r>
-              <a:rPr lang="nb-NO" sz="3200" dirty="0" err="1">
-                <a:latin typeface="Courier New"/>
-                <a:cs typeface="Courier New"/>
-              </a:rPr>
-              <a:t>j++</a:t>
-            </a:r>
-            <a:r>
-              <a:rPr lang="nb-NO" sz="3200" dirty="0">
-                <a:latin typeface="Courier New"/>
-                <a:cs typeface="Courier New"/>
-              </a:rPr>
-              <a:t>)		</a:t>
-            </a:r>
-            <a:r>
-              <a:rPr lang="nb-NO" sz="3200" b="1" dirty="0">
                 <a:solidFill>
                   <a:srgbClr val="FF0000"/>
                 </a:solidFill>
                 <a:latin typeface="Courier New"/>
                 <a:cs typeface="Courier New"/>
               </a:rPr>
-              <a:t>(n+1)*(n+2)</a:t>
-            </a:r>
-            <a:r>
-              <a:rPr lang="nb-NO" sz="3200" dirty="0">
-                <a:latin typeface="Courier New"/>
-                <a:cs typeface="Courier New"/>
-              </a:rPr>
-              <a:t>	</a:t>
-            </a:r>
-            <a:endParaRPr lang="en-US" sz="3200" dirty="0">
-              <a:latin typeface="Courier New"/>
-              <a:cs typeface="Courier New"/>
-            </a:endParaRPr>
+              <a:t>1</a:t>
+            </a:r>
           </a:p>
           <a:p>
             <a:pPr marL="0" indent="0">
@@ -8106,14 +8220,65 @@
                 <a:latin typeface="Courier New"/>
                 <a:cs typeface="Courier New"/>
               </a:rPr>
-              <a:t>4        res = res + j</a:t>
+              <a:t> 2b Test i &lt; n+1		  </a:t>
             </a:r>
             <a:r>
               <a:rPr lang="nb-NO" sz="3200" b="1" dirty="0">
-                <a:latin typeface="Courier New"/>
-                <a:cs typeface="Courier New"/>
-              </a:rPr>
-              <a:t>;		</a:t>
+                <a:solidFill>
+                  <a:srgbClr val="FF0000"/>
+                </a:solidFill>
+                <a:latin typeface="Courier New"/>
+                <a:cs typeface="Courier New"/>
+              </a:rPr>
+              <a:t>n+2	</a:t>
+            </a:r>
+            <a:r>
+              <a:rPr lang="nb-NO" sz="3200" b="1" i="1" dirty="0">
+                <a:solidFill>
+                  <a:srgbClr val="FF0000"/>
+                </a:solidFill>
+                <a:latin typeface="Courier New"/>
+                <a:cs typeface="Courier New"/>
+              </a:rPr>
+              <a:t>(# iterations + 1)</a:t>
+            </a:r>
+            <a:r>
+              <a:rPr lang="nb-NO" sz="3200" dirty="0">
+                <a:solidFill>
+                  <a:srgbClr val="FF0000"/>
+                </a:solidFill>
+                <a:latin typeface="Courier New"/>
+                <a:cs typeface="Courier New"/>
+              </a:rPr>
+              <a:t>	</a:t>
+            </a:r>
+            <a:r>
+              <a:rPr lang="nb-NO" sz="3200" dirty="0">
+                <a:latin typeface="Courier New"/>
+                <a:cs typeface="Courier New"/>
+              </a:rPr>
+              <a:t>  </a:t>
+            </a:r>
+          </a:p>
+          <a:p>
+            <a:pPr marL="0" indent="0">
+              <a:spcAft>
+                <a:spcPts val="600"/>
+              </a:spcAft>
+              <a:buNone/>
+              <a:tabLst>
+                <a:tab pos="230188" algn="l"/>
+                <a:tab pos="461963" algn="l"/>
+                <a:tab pos="692150" algn="l"/>
+                <a:tab pos="923925" algn="l"/>
+              </a:tabLst>
+            </a:pPr>
+            <a:r>
+              <a:rPr lang="nb-NO" sz="3200" dirty="0">
+                <a:latin typeface="Courier New"/>
+                <a:cs typeface="Courier New"/>
+              </a:rPr>
+              <a:t> 2c i++				  </a:t>
             </a:r>
             <a:r>
               <a:rPr lang="nb-NO" sz="3200" b="1" dirty="0">
@@ -8123,9 +8288,22 @@
                 <a:latin typeface="Courier New"/>
                 <a:cs typeface="Courier New"/>
               </a:rPr>
-              <a:t>(n+1)*(n+1)</a:t>
-            </a:r>
-            <a:endParaRPr lang="en-US" sz="3200" dirty="0">
+              <a:t>n+1	</a:t>
+            </a:r>
+            <a:r>
+              <a:rPr lang="nb-NO" sz="3200" b="1" i="1" dirty="0">
+                <a:solidFill>
+                  <a:srgbClr val="FF0000"/>
+                </a:solidFill>
+                <a:latin typeface="Courier New"/>
+                <a:cs typeface="Courier New"/>
+              </a:rPr>
+              <a:t>(body runs n+1 times)</a:t>
+            </a:r>
+            <a:endParaRPr lang="nb-NO" sz="3200" dirty="0">
+              <a:solidFill>
+                <a:srgbClr val="FF0000"/>
+              </a:solidFill>
               <a:latin typeface="Courier New"/>
               <a:cs typeface="Courier New"/>
             </a:endParaRPr>
@@ -8145,21 +8323,21 @@
                 <a:latin typeface="Courier New"/>
                 <a:cs typeface="Courier New"/>
               </a:rPr>
-              <a:t>5 	</a:t>
-            </a:r>
-            <a:r>
-              <a:rPr lang="nb-NO" sz="3200" b="1" dirty="0" err="1">
-                <a:latin typeface="Courier New"/>
-                <a:cs typeface="Courier New"/>
-              </a:rPr>
-              <a:t>return</a:t>
+              <a:t>3    </a:t>
+            </a:r>
+            <a:r>
+              <a:rPr lang="nb-NO" sz="3200" b="1" dirty="0">
+                <a:latin typeface="Courier New"/>
+                <a:cs typeface="Courier New"/>
+              </a:rPr>
+              <a:t>for</a:t>
             </a:r>
             <a:r>
               <a:rPr lang="nb-NO" sz="3200" dirty="0">
                 <a:latin typeface="Courier New"/>
                 <a:cs typeface="Courier New"/>
               </a:rPr>
-              <a:t> res;				</a:t>
+              <a:t> (j=0; j&lt;n+1; j++)	</a:t>
             </a:r>
             <a:r>
               <a:rPr lang="nb-NO" sz="3200" b="1" dirty="0">
@@ -8169,12 +8347,28 @@
                 <a:latin typeface="Courier New"/>
                 <a:cs typeface="Courier New"/>
               </a:rPr>
-              <a:t>1</a:t>
-            </a:r>
-            <a:endParaRPr lang="en-US" sz="3200" dirty="0">
-              <a:latin typeface="Courier New"/>
-              <a:cs typeface="Courier New"/>
-            </a:endParaRPr>
+              <a:t>2n</a:t>
+            </a:r>
+            <a:r>
+              <a:rPr lang="nb-NO" sz="3200" b="1" baseline="30000" dirty="0">
+                <a:solidFill>
+                  <a:srgbClr val="FF0000"/>
+                </a:solidFill>
+                <a:latin typeface="Courier New"/>
+                <a:cs typeface="Courier New"/>
+              </a:rPr>
+              <a:t>2</a:t>
+            </a:r>
+            <a:r>
+              <a:rPr lang="nb-NO" sz="3200" b="1" dirty="0">
+                <a:solidFill>
+                  <a:srgbClr val="FF0000"/>
+                </a:solidFill>
+                <a:latin typeface="Courier New"/>
+                <a:cs typeface="Courier New"/>
+              </a:rPr>
+              <a:t>+6n+4</a:t>
+            </a:r>
           </a:p>
           <a:p>
             <a:pPr marL="0" indent="0">
@@ -8191,19 +8385,306 @@
                 <a:latin typeface="Courier New"/>
                 <a:cs typeface="Courier New"/>
               </a:rPr>
-              <a:t>}</a:t>
-            </a:r>
-            <a:r>
-              <a:rPr lang="en-US" sz="3200" dirty="0">
-                <a:latin typeface="Courier New"/>
-                <a:cs typeface="Courier New"/>
-              </a:rPr>
-              <a:t> </a:t>
-            </a:r>
+              <a:t> 3a		 Set j = 0	</a:t>
+            </a:r>
+            <a:r>
+              <a:rPr lang="nb-NO" sz="3200" b="1" dirty="0">
+                <a:latin typeface="Courier New"/>
+                <a:cs typeface="Courier New"/>
+              </a:rPr>
+              <a:t>	</a:t>
+            </a:r>
+            <a:r>
+              <a:rPr lang="nb-NO" sz="3200" dirty="0">
+                <a:solidFill>
+                  <a:srgbClr val="FF0000"/>
+                </a:solidFill>
+                <a:latin typeface="Courier New"/>
+                <a:cs typeface="Courier New"/>
+              </a:rPr>
+              <a:t>  </a:t>
+            </a:r>
+            <a:r>
+              <a:rPr lang="nb-NO" sz="3200" b="1" dirty="0">
+                <a:solidFill>
+                  <a:srgbClr val="FF0000"/>
+                </a:solidFill>
+                <a:latin typeface="Courier New"/>
+                <a:cs typeface="Courier New"/>
+              </a:rPr>
+              <a:t>(n+1)*1	= n+1</a:t>
+            </a:r>
+            <a:endParaRPr lang="nb-NO" sz="3200" dirty="0">
+              <a:solidFill>
+                <a:srgbClr val="FF0000"/>
+              </a:solidFill>
+              <a:latin typeface="Courier New"/>
+              <a:cs typeface="Courier New"/>
+            </a:endParaRPr>
           </a:p>
           <a:p>
             <a:pPr marL="0" indent="0">
               <a:buNone/>
+              <a:tabLst>
+                <a:tab pos="230188" algn="l"/>
+                <a:tab pos="461963" algn="l"/>
+                <a:tab pos="692150" algn="l"/>
+                <a:tab pos="923925" algn="l"/>
+              </a:tabLst>
+            </a:pPr>
+            <a:r>
+              <a:rPr lang="en-US" sz="3200" dirty="0">
+                <a:latin typeface="Courier New"/>
+                <a:cs typeface="Courier New"/>
+              </a:rPr>
+              <a:t> 3b		 Test j &lt; n+1		</a:t>
+            </a:r>
+            <a:r>
+              <a:rPr lang="en-US" sz="3200" dirty="0">
+                <a:solidFill>
+                  <a:srgbClr val="FF0000"/>
+                </a:solidFill>
+                <a:latin typeface="Courier New"/>
+                <a:cs typeface="Courier New"/>
+              </a:rPr>
+              <a:t>  </a:t>
+            </a:r>
+            <a:r>
+              <a:rPr lang="en-US" sz="3200" b="1" dirty="0">
+                <a:solidFill>
+                  <a:srgbClr val="FF0000"/>
+                </a:solidFill>
+                <a:latin typeface="Courier New"/>
+                <a:cs typeface="Courier New"/>
+              </a:rPr>
+              <a:t>(n+1)*(n+2) 	= n</a:t>
+            </a:r>
+            <a:r>
+              <a:rPr lang="en-US" sz="3200" b="1" baseline="30000" dirty="0">
+                <a:solidFill>
+                  <a:srgbClr val="FF0000"/>
+                </a:solidFill>
+                <a:latin typeface="Courier New"/>
+                <a:cs typeface="Courier New"/>
+              </a:rPr>
+              <a:t>2</a:t>
+            </a:r>
+            <a:r>
+              <a:rPr lang="en-US" sz="3200" b="1" dirty="0">
+                <a:solidFill>
+                  <a:srgbClr val="FF0000"/>
+                </a:solidFill>
+                <a:latin typeface="Courier New"/>
+                <a:cs typeface="Courier New"/>
+              </a:rPr>
+              <a:t>+3n+2</a:t>
+            </a:r>
+          </a:p>
+          <a:p>
+            <a:pPr marL="0" indent="0">
+              <a:spcAft>
+                <a:spcPts val="600"/>
+              </a:spcAft>
+              <a:buNone/>
+              <a:tabLst>
+                <a:tab pos="230188" algn="l"/>
+                <a:tab pos="461963" algn="l"/>
+                <a:tab pos="692150" algn="l"/>
+                <a:tab pos="923925" algn="l"/>
+              </a:tabLst>
+            </a:pPr>
+            <a:r>
+              <a:rPr lang="en-US" sz="3200" dirty="0">
+                <a:latin typeface="Courier New"/>
+                <a:cs typeface="Courier New"/>
+              </a:rPr>
+              <a:t> 3c		 </a:t>
+            </a:r>
+            <a:r>
+              <a:rPr lang="en-US" sz="3200" dirty="0" err="1">
+                <a:latin typeface="Courier New"/>
+                <a:cs typeface="Courier New"/>
+              </a:rPr>
+              <a:t>j++</a:t>
+            </a:r>
+            <a:r>
+              <a:rPr lang="en-US" sz="3200" dirty="0">
+                <a:latin typeface="Courier New"/>
+                <a:cs typeface="Courier New"/>
+              </a:rPr>
+              <a:t>			  </a:t>
+            </a:r>
+            <a:r>
+              <a:rPr lang="en-US" sz="3200" b="1" dirty="0">
+                <a:solidFill>
+                  <a:srgbClr val="FF0000"/>
+                </a:solidFill>
+                <a:latin typeface="Courier New"/>
+                <a:cs typeface="Courier New"/>
+              </a:rPr>
+              <a:t>(n+1)*(n+1)	= n</a:t>
+            </a:r>
+            <a:r>
+              <a:rPr lang="en-US" sz="3200" b="1" baseline="30000" dirty="0">
+                <a:solidFill>
+                  <a:srgbClr val="FF0000"/>
+                </a:solidFill>
+                <a:latin typeface="Courier New"/>
+                <a:cs typeface="Courier New"/>
+              </a:rPr>
+              <a:t>2</a:t>
+            </a:r>
+            <a:r>
+              <a:rPr lang="en-US" sz="3200" b="1" dirty="0">
+                <a:solidFill>
+                  <a:srgbClr val="FF0000"/>
+                </a:solidFill>
+                <a:latin typeface="Courier New"/>
+                <a:cs typeface="Courier New"/>
+              </a:rPr>
+              <a:t>+2n+1</a:t>
+            </a:r>
+            <a:endParaRPr lang="en-US" sz="3200" dirty="0">
+              <a:solidFill>
+                <a:srgbClr val="FF0000"/>
+              </a:solidFill>
+              <a:latin typeface="Courier New"/>
+              <a:cs typeface="Courier New"/>
+            </a:endParaRPr>
+          </a:p>
+          <a:p>
+            <a:pPr marL="0" indent="0">
+              <a:buNone/>
+              <a:tabLst>
+                <a:tab pos="230188" algn="l"/>
+                <a:tab pos="461963" algn="l"/>
+                <a:tab pos="692150" algn="l"/>
+                <a:tab pos="923925" algn="l"/>
+              </a:tabLst>
+            </a:pPr>
+            <a:r>
+              <a:rPr lang="nb-NO" sz="3200" dirty="0">
+                <a:latin typeface="Courier New"/>
+                <a:cs typeface="Courier New"/>
+              </a:rPr>
+              <a:t>4        res = res + j</a:t>
+            </a:r>
+            <a:r>
+              <a:rPr lang="nb-NO" sz="3200" b="1" dirty="0">
+                <a:latin typeface="Courier New"/>
+                <a:cs typeface="Courier New"/>
+              </a:rPr>
+              <a:t>;		</a:t>
+            </a:r>
+            <a:r>
+              <a:rPr lang="nb-NO" sz="3200" b="1" dirty="0">
+                <a:solidFill>
+                  <a:srgbClr val="FF0000"/>
+                </a:solidFill>
+                <a:latin typeface="Courier New"/>
+                <a:cs typeface="Courier New"/>
+              </a:rPr>
+              <a:t>(n+1)*(n+1)	= n</a:t>
+            </a:r>
+            <a:r>
+              <a:rPr lang="nb-NO" sz="3200" b="1" baseline="30000" dirty="0">
+                <a:solidFill>
+                  <a:srgbClr val="FF0000"/>
+                </a:solidFill>
+                <a:latin typeface="Courier New"/>
+                <a:cs typeface="Courier New"/>
+              </a:rPr>
+              <a:t>2</a:t>
+            </a:r>
+            <a:r>
+              <a:rPr lang="nb-NO" sz="3200" b="1" dirty="0">
+                <a:solidFill>
+                  <a:srgbClr val="FF0000"/>
+                </a:solidFill>
+                <a:latin typeface="Courier New"/>
+                <a:cs typeface="Courier New"/>
+              </a:rPr>
+              <a:t>+2n+1</a:t>
+            </a:r>
+            <a:endParaRPr lang="en-US" sz="3200" dirty="0">
+              <a:latin typeface="Courier New"/>
+              <a:cs typeface="Courier New"/>
+            </a:endParaRPr>
+          </a:p>
+          <a:p>
+            <a:pPr marL="0" indent="0">
+              <a:buNone/>
+              <a:tabLst>
+                <a:tab pos="230188" algn="l"/>
+                <a:tab pos="461963" algn="l"/>
+                <a:tab pos="692150" algn="l"/>
+                <a:tab pos="923925" algn="l"/>
+              </a:tabLst>
+            </a:pPr>
+            <a:r>
+              <a:rPr lang="nb-NO" sz="3200" dirty="0">
+                <a:latin typeface="Courier New"/>
+                <a:cs typeface="Courier New"/>
+              </a:rPr>
+              <a:t>5 	</a:t>
+            </a:r>
+            <a:r>
+              <a:rPr lang="nb-NO" sz="3200" b="1" dirty="0">
+                <a:latin typeface="Courier New"/>
+                <a:cs typeface="Courier New"/>
+              </a:rPr>
+              <a:t>return</a:t>
+            </a:r>
+            <a:r>
+              <a:rPr lang="nb-NO" sz="3200" dirty="0">
+                <a:latin typeface="Courier New"/>
+                <a:cs typeface="Courier New"/>
+              </a:rPr>
+              <a:t> res;			</a:t>
+            </a:r>
+            <a:r>
+              <a:rPr lang="nb-NO" sz="3200" b="1" dirty="0">
+                <a:solidFill>
+                  <a:srgbClr val="FF0000"/>
+                </a:solidFill>
+                <a:latin typeface="Courier New"/>
+                <a:cs typeface="Courier New"/>
+              </a:rPr>
+              <a:t>1</a:t>
+            </a:r>
+            <a:endParaRPr lang="en-US" sz="3200" dirty="0">
+              <a:latin typeface="Courier New"/>
+              <a:cs typeface="Courier New"/>
+            </a:endParaRPr>
+          </a:p>
+          <a:p>
+            <a:pPr marL="0" indent="0">
+              <a:buNone/>
+              <a:tabLst>
+                <a:tab pos="230188" algn="l"/>
+                <a:tab pos="461963" algn="l"/>
+                <a:tab pos="692150" algn="l"/>
+                <a:tab pos="923925" algn="l"/>
+              </a:tabLst>
+            </a:pPr>
+            <a:r>
+              <a:rPr lang="nb-NO" sz="3200" dirty="0">
+                <a:latin typeface="Courier New"/>
+                <a:cs typeface="Courier New"/>
+              </a:rPr>
+              <a:t>}</a:t>
+            </a:r>
+            <a:r>
+              <a:rPr lang="en-US" sz="3200" dirty="0">
+                <a:latin typeface="Courier New"/>
+                <a:cs typeface="Courier New"/>
+              </a:rPr>
+              <a:t> </a:t>
+            </a:r>
+          </a:p>
+          <a:p>
+            <a:pPr marL="0" indent="0">
+              <a:buNone/>
             </a:pPr>
             <a:endParaRPr lang="en-US" dirty="0"/>
           </a:p>
@@ -8226,7 +8707,7 @@
           <a:p>
             <a:fld id="{18A71DCE-E361-4C5E-8A95-EF34FA2FC815}" type="datetime1">
               <a:rPr lang="en-US" smtClean="0"/>
-              <a:t>2/6/2019</a:t>
+              <a:t>2/8/2019</a:t>
             </a:fld>
             <a:endParaRPr lang="en-US"/>
           </a:p>
@@ -8291,8 +8772,8 @@
         </p:nvSpPr>
         <p:spPr bwMode="auto">
           <a:xfrm>
-            <a:off x="609600" y="3733800"/>
-            <a:ext cx="8229600" cy="2438400"/>
+            <a:off x="609600" y="4648200"/>
+            <a:ext cx="8229600" cy="1524000"/>
           </a:xfrm>
           <a:prstGeom prst="rect">
             <a:avLst/>
@@ -8329,7 +8810,7 @@
             <a:prstTxWarp prst="textNoShape">
               <a:avLst/>
             </a:prstTxWarp>
-            <a:normAutofit/>
+            <a:normAutofit lnSpcReduction="10000"/>
           </a:bodyPr>
           <a:lstStyle>
             <a:lvl1pPr marL="342900" indent="-342900" algn="l" rtl="0" eaLnBrk="0" fontAlgn="base" hangingPunct="0">
@@ -8537,7 +9018,7 @@
                   <a:srgbClr val="FF0000"/>
                 </a:solidFill>
               </a:rPr>
-              <a:t>T(n) = 2n</a:t>
+              <a:t>T(n) = 3n</a:t>
             </a:r>
             <a:r>
               <a:rPr lang="en-US" baseline="30000" dirty="0">
@@ -8553,7 +9034,7 @@
                   <a:srgbClr val="FF0000"/>
                 </a:solidFill>
               </a:rPr>
-              <a:t> + 6n + 7 = O(n</a:t>
+              <a:t> + 10n + 11 = O(n</a:t>
             </a:r>
             <a:r>
               <a:rPr lang="en-US" baseline="30000" dirty="0">
@@ -8696,7 +9177,7 @@
           <a:p>
             <a:fld id="{3C524463-958F-4613-96B6-34E367419BBF}" type="datetime1">
               <a:rPr lang="en-US" smtClean="0"/>
-              <a:t>2/6/2019</a:t>
+              <a:t>2/8/2019</a:t>
             </a:fld>
             <a:endParaRPr lang="en-US"/>
           </a:p>
@@ -9035,7 +9516,7 @@
           <a:p>
             <a:fld id="{2760A7D6-DEBA-489B-9782-7D3FCFA11490}" type="datetime1">
               <a:rPr lang="en-US" smtClean="0"/>
-              <a:t>2/6/2019</a:t>
+              <a:t>2/8/2019</a:t>
             </a:fld>
             <a:endParaRPr lang="en-US"/>
           </a:p>
@@ -9233,7 +9714,7 @@
           <a:p>
             <a:fld id="{F857398F-D26A-4DEE-AC61-8F1AE60FDCAE}" type="datetime1">
               <a:rPr lang="en-US" smtClean="0"/>
-              <a:t>2/6/2019</a:t>
+              <a:t>2/8/2019</a:t>
             </a:fld>
             <a:endParaRPr lang="en-US"/>
           </a:p>
@@ -9715,7 +10196,7 @@
           <a:p>
             <a:fld id="{489088CB-0B45-402D-8FF6-298965B22199}" type="datetime1">
               <a:rPr lang="en-US" smtClean="0"/>
-              <a:t>2/6/2019</a:t>
+              <a:t>2/8/2019</a:t>
             </a:fld>
             <a:endParaRPr lang="en-US"/>
           </a:p>
@@ -10072,7 +10553,7 @@
           <a:p>
             <a:fld id="{78548D82-2C05-4334-9D54-5979C88017C8}" type="datetime1">
               <a:rPr lang="en-US" smtClean="0"/>
-              <a:t>2/6/2019</a:t>
+              <a:t>2/8/2019</a:t>
             </a:fld>
             <a:endParaRPr lang="en-US"/>
           </a:p>
@@ -10525,7 +11006,7 @@
           <a:p>
             <a:fld id="{A8C70EB5-7E83-47D7-B7C8-4E53C59D467F}" type="datetime1">
               <a:rPr lang="en-US" smtClean="0"/>
-              <a:t>2/6/2019</a:t>
+              <a:t>2/8/2019</a:t>
             </a:fld>
             <a:endParaRPr lang="en-US"/>
           </a:p>
@@ -10890,7 +11371,7 @@
           <a:p>
             <a:fld id="{8B126878-BADE-419F-A72C-242CBD518BA3}" type="datetime1">
               <a:rPr lang="en-US" smtClean="0"/>
-              <a:t>2/6/2019</a:t>
+              <a:t>2/8/2019</a:t>
             </a:fld>
             <a:endParaRPr lang="en-US"/>
           </a:p>
@@ -11206,7 +11687,7 @@
               <a:rPr lang="en-US" smtClean="0">
                 <a:latin typeface="+mj-lt"/>
               </a:rPr>
-              <a:t>2/6/2019</a:t>
+              <a:t>2/8/2019</a:t>
             </a:fld>
             <a:endParaRPr lang="en-US" dirty="0">
               <a:latin typeface="+mj-lt"/>
@@ -11453,15 +11934,16 @@
             <a:pPr lvl="1"/>
             <a:r>
               <a:rPr lang="en-US" dirty="0"/>
-              <a:t>More on algorithmic complexity</a:t>
+              <a:t>Abstract data types</a:t>
             </a:r>
           </a:p>
           <a:p>
             <a:pPr lvl="1"/>
             <a:r>
-              <a:rPr lang="en-US" dirty="0"/>
-              <a:t>Abstract data types</a:t>
-            </a:r>
+              <a:rPr lang="en-US"/>
+              <a:t>Classes</a:t>
+            </a:r>
+            <a:endParaRPr lang="en-US" dirty="0"/>
           </a:p>
           <a:p>
             <a:r>
@@ -11664,7 +12146,7 @@
           <a:p>
             <a:fld id="{74A60AD2-D986-4C45-BC52-3103075D1E7D}" type="datetime1">
               <a:rPr lang="en-US" smtClean="0"/>
-              <a:t>2/6/2019</a:t>
+              <a:t>2/8/2019</a:t>
             </a:fld>
             <a:endParaRPr lang="en-US"/>
           </a:p>
@@ -11948,7 +12430,7 @@
           <a:p>
             <a:fld id="{C3E9FA4C-B6AA-4802-BD8B-FE8949D63B62}" type="datetime1">
               <a:rPr lang="en-US" smtClean="0"/>
-              <a:t>2/6/2019</a:t>
+              <a:t>2/8/2019</a:t>
             </a:fld>
             <a:endParaRPr lang="en-US"/>
           </a:p>
@@ -12395,7 +12877,7 @@
                 <a:cs typeface="Courier New" charset="0"/>
                 <a:sym typeface="Wingdings" charset="0"/>
               </a:rPr>
-              <a:t> 264</a:t>
+              <a:t>264</a:t>
             </a:r>
             <a:r>
               <a:rPr lang="ja-JP" altLang="en-US" dirty="0">
@@ -12607,7 +13089,7 @@
               <a:rPr lang="en-US" smtClean="0">
                 <a:latin typeface="Garamond" charset="0"/>
               </a:rPr>
-              <a:t>2/6/2019</a:t>
+              <a:t>2/8/2019</a:t>
             </a:fld>
             <a:endParaRPr lang="en-US">
               <a:latin typeface="Garamond" charset="0"/>
@@ -13019,7 +13501,7 @@
           <a:p>
             <a:fld id="{1E044075-D661-4AC0-A2D1-67255DFD4E74}" type="datetime1">
               <a:rPr lang="en-US" smtClean="0"/>
-              <a:t>2/6/2019</a:t>
+              <a:t>2/8/2019</a:t>
             </a:fld>
             <a:endParaRPr lang="en-US"/>
           </a:p>
@@ -13158,7 +13640,7 @@
           <a:p>
             <a:fld id="{26AE5B64-0CF4-4DBF-975D-A380757AE12E}" type="datetime1">
               <a:rPr lang="en-US" smtClean="0"/>
-              <a:t>2/6/2019</a:t>
+              <a:t>2/8/2019</a:t>
             </a:fld>
             <a:endParaRPr lang="en-US"/>
           </a:p>
@@ -13546,7 +14028,7 @@
           <a:p>
             <a:fld id="{AF987855-6EE9-475D-9750-A67F92102C66}" type="datetime1">
               <a:rPr lang="en-US" smtClean="0"/>
-              <a:t>2/6/2019</a:t>
+              <a:t>2/8/2019</a:t>
             </a:fld>
             <a:endParaRPr lang="en-US"/>
           </a:p>
@@ -13724,7 +14206,7 @@
           <a:p>
             <a:fld id="{ABEF3BD6-D3CD-4348-88CB-34FD968DBAEA}" type="datetime1">
               <a:rPr lang="en-US" smtClean="0"/>
-              <a:t>2/6/2019</a:t>
+              <a:t>2/8/2019</a:t>
             </a:fld>
             <a:endParaRPr lang="en-US"/>
           </a:p>
@@ -13935,7 +14417,7 @@
           <a:p>
             <a:fld id="{39EA81AD-0F05-45B3-A457-D637843B5B8E}" type="datetime1">
               <a:rPr lang="en-US" smtClean="0"/>
-              <a:t>2/6/2019</a:t>
+              <a:t>2/8/2019</a:t>
             </a:fld>
             <a:endParaRPr lang="en-US"/>
           </a:p>
